--- a/slide_deck_template.pptx
+++ b/slide_deck_template.pptx
@@ -278,7 +278,7 @@
           <a:p>
             <a:fld id="{4E125AEB-FB78-D14A-825E-51BD78A5AD6F}" type="datetimeFigureOut">
               <a:rPr lang="en-US" smtClean="0"/>
-              <a:t>1/14/24</a:t>
+              <a:t>1/15/24</a:t>
             </a:fld>
             <a:endParaRPr lang="en-US"/>
           </a:p>
@@ -448,7 +448,7 @@
           <a:p>
             <a:fld id="{4E125AEB-FB78-D14A-825E-51BD78A5AD6F}" type="datetimeFigureOut">
               <a:rPr lang="en-US" smtClean="0"/>
-              <a:t>1/14/24</a:t>
+              <a:t>1/15/24</a:t>
             </a:fld>
             <a:endParaRPr lang="en-US"/>
           </a:p>
@@ -628,7 +628,7 @@
           <a:p>
             <a:fld id="{4E125AEB-FB78-D14A-825E-51BD78A5AD6F}" type="datetimeFigureOut">
               <a:rPr lang="en-US" smtClean="0"/>
-              <a:t>1/14/24</a:t>
+              <a:t>1/15/24</a:t>
             </a:fld>
             <a:endParaRPr lang="en-US"/>
           </a:p>
@@ -798,7 +798,7 @@
           <a:p>
             <a:fld id="{4E125AEB-FB78-D14A-825E-51BD78A5AD6F}" type="datetimeFigureOut">
               <a:rPr lang="en-US" smtClean="0"/>
-              <a:t>1/14/24</a:t>
+              <a:t>1/15/24</a:t>
             </a:fld>
             <a:endParaRPr lang="en-US"/>
           </a:p>
@@ -1058,7 +1058,7 @@
           <a:p>
             <a:fld id="{4E125AEB-FB78-D14A-825E-51BD78A5AD6F}" type="datetimeFigureOut">
               <a:rPr lang="en-US" smtClean="0"/>
-              <a:t>1/14/24</a:t>
+              <a:t>1/15/24</a:t>
             </a:fld>
             <a:endParaRPr lang="en-US"/>
           </a:p>
@@ -1290,7 +1290,7 @@
           <a:p>
             <a:fld id="{4E125AEB-FB78-D14A-825E-51BD78A5AD6F}" type="datetimeFigureOut">
               <a:rPr lang="en-US" smtClean="0"/>
-              <a:t>1/14/24</a:t>
+              <a:t>1/15/24</a:t>
             </a:fld>
             <a:endParaRPr lang="en-US"/>
           </a:p>
@@ -1645,7 +1645,7 @@
           <a:p>
             <a:fld id="{4E125AEB-FB78-D14A-825E-51BD78A5AD6F}" type="datetimeFigureOut">
               <a:rPr lang="en-US" smtClean="0"/>
-              <a:t>1/14/24</a:t>
+              <a:t>1/15/24</a:t>
             </a:fld>
             <a:endParaRPr lang="en-US"/>
           </a:p>
@@ -1786,7 +1786,7 @@
           <a:p>
             <a:fld id="{4E125AEB-FB78-D14A-825E-51BD78A5AD6F}" type="datetimeFigureOut">
               <a:rPr lang="en-US" smtClean="0"/>
-              <a:t>1/14/24</a:t>
+              <a:t>1/15/24</a:t>
             </a:fld>
             <a:endParaRPr lang="en-US"/>
           </a:p>
@@ -1881,7 +1881,7 @@
           <a:p>
             <a:fld id="{4E125AEB-FB78-D14A-825E-51BD78A5AD6F}" type="datetimeFigureOut">
               <a:rPr lang="en-US" smtClean="0"/>
-              <a:t>1/14/24</a:t>
+              <a:t>1/15/24</a:t>
             </a:fld>
             <a:endParaRPr lang="en-US"/>
           </a:p>
@@ -2238,7 +2238,7 @@
           <a:p>
             <a:fld id="{4E125AEB-FB78-D14A-825E-51BD78A5AD6F}" type="datetimeFigureOut">
               <a:rPr lang="en-US" smtClean="0"/>
-              <a:t>1/14/24</a:t>
+              <a:t>1/15/24</a:t>
             </a:fld>
             <a:endParaRPr lang="en-US"/>
           </a:p>
@@ -2556,7 +2556,7 @@
           <a:p>
             <a:fld id="{4E125AEB-FB78-D14A-825E-51BD78A5AD6F}" type="datetimeFigureOut">
               <a:rPr lang="en-US" smtClean="0"/>
-              <a:t>1/14/24</a:t>
+              <a:t>1/15/24</a:t>
             </a:fld>
             <a:endParaRPr lang="en-US"/>
           </a:p>
@@ -2801,7 +2801,7 @@
           <a:p>
             <a:fld id="{4E125AEB-FB78-D14A-825E-51BD78A5AD6F}" type="datetimeFigureOut">
               <a:rPr lang="en-US" smtClean="0"/>
-              <a:t>1/14/24</a:t>
+              <a:t>1/15/24</a:t>
             </a:fld>
             <a:endParaRPr lang="en-US"/>
           </a:p>
@@ -4403,7 +4403,7 @@
         </p:blipFill>
         <p:spPr>
           <a:xfrm>
-            <a:off x="215117" y="3703356"/>
+            <a:off x="215117" y="3277597"/>
             <a:ext cx="8606621" cy="2646695"/>
           </a:xfrm>
           <a:prstGeom prst="rect">
@@ -4425,7 +4425,7 @@
         </p:nvSpPr>
         <p:spPr>
           <a:xfrm>
-            <a:off x="1004888" y="1569438"/>
+            <a:off x="1004888" y="1736150"/>
             <a:ext cx="7598664" cy="1200329"/>
           </a:xfrm>
           <a:prstGeom prst="rect">

--- a/slide_deck_template.pptx
+++ b/slide_deck_template.pptx
@@ -4153,8 +4153,8 @@
         </p:nvSpPr>
         <p:spPr>
           <a:xfrm>
-            <a:off x="1000473" y="1362769"/>
-            <a:ext cx="7598664" cy="2308324"/>
+            <a:off x="771873" y="1326674"/>
+            <a:ext cx="8427688" cy="2585323"/>
           </a:xfrm>
           <a:prstGeom prst="rect">
             <a:avLst/>
@@ -4181,7 +4181,10 @@
               <a:buFont typeface="Arial" panose="020B0604020202020204" pitchFamily="34" charset="0"/>
               <a:buChar char="•"/>
             </a:pPr>
-            <a:endParaRPr lang="en-US" dirty="0"/>
+            <a:r>
+              <a:rPr lang="en-US" dirty="0"/>
+              <a:t>Gas and Transport was the merchant category with the highest frequency of fraudulent credit card transactions </a:t>
+            </a:r>
           </a:p>
           <a:p>
             <a:pPr marL="285750" indent="-285750">
@@ -4190,7 +4193,7 @@
             </a:pPr>
             <a:r>
               <a:rPr lang="en-US" dirty="0"/>
-              <a:t>Gas and Transport was the merchant category with the highest frequency of fraudulent credit card transactions </a:t>
+              <a:t>Travel was the merchant category with the lowest frequency of fraudulent credit card transactions.</a:t>
             </a:r>
           </a:p>
           <a:p>
@@ -4231,7 +4234,7 @@
         </p:blipFill>
         <p:spPr>
           <a:xfrm>
-            <a:off x="171449" y="3245092"/>
+            <a:off x="114299" y="3429000"/>
             <a:ext cx="9256713" cy="2680251"/>
           </a:xfrm>
           <a:prstGeom prst="rect">
@@ -4425,8 +4428,8 @@
         </p:nvSpPr>
         <p:spPr>
           <a:xfrm>
-            <a:off x="1004888" y="1736150"/>
-            <a:ext cx="7598664" cy="1200329"/>
+            <a:off x="926307" y="1555676"/>
+            <a:ext cx="7598664" cy="2031325"/>
           </a:xfrm>
           <a:prstGeom prst="rect">
             <a:avLst/>
@@ -4446,6 +4449,23 @@
             <a:r>
               <a:rPr lang="en-US" dirty="0"/>
               <a:t>The Grocery (In Store) category accounted for the highest dollar amount lost through fraudulent transactions with $107,104.88</a:t>
+            </a:r>
+          </a:p>
+          <a:p>
+            <a:pPr marL="285750" indent="-285750">
+              <a:buFont typeface="Arial" panose="020B0604020202020204" pitchFamily="34" charset="0"/>
+              <a:buChar char="•"/>
+            </a:pPr>
+            <a:endParaRPr lang="en-US" dirty="0"/>
+          </a:p>
+          <a:p>
+            <a:pPr marL="285750" indent="-285750">
+              <a:buFont typeface="Arial" panose="020B0604020202020204" pitchFamily="34" charset="0"/>
+              <a:buChar char="•"/>
+            </a:pPr>
+            <a:r>
+              <a:rPr lang="en-US" dirty="0"/>
+              <a:t>The Grocery (Online) category had the lowest total loss in dollars with $18,965.07.</a:t>
             </a:r>
           </a:p>
           <a:p>
